--- a/LplcOpenDataConverter/LplcOpenDataConverter/genko/カメラ設置条件図.pptx
+++ b/LplcOpenDataConverter/LplcOpenDataConverter/genko/カメラ設置条件図.pptx
@@ -105,6 +105,11 @@
       </a:defRPr>
     </a:lvl9pPr>
   </p:defaultTextStyle>
+  <p:extLst>
+    <p:ext uri="{EFAFB233-063F-42B5-8137-9DF3F51BA10A}">
+      <p15:sldGuideLst xmlns:p15="http://schemas.microsoft.com/office/powerpoint/2012/main"/>
+    </p:ext>
+  </p:extLst>
 </p:presentation>
 </file>
 
@@ -239,7 +244,7 @@
           <a:p>
             <a:fld id="{2D27C6C9-4D87-42DA-8DC4-BE3B1EEA3836}" type="datetimeFigureOut">
               <a:rPr kumimoji="1" lang="ja-JP" altLang="en-US" smtClean="0"/>
-              <a:t>2018/12/19</a:t>
+              <a:t>2018/12/20</a:t>
             </a:fld>
             <a:endParaRPr kumimoji="1" lang="ja-JP" altLang="en-US"/>
           </a:p>
@@ -441,7 +446,7 @@
           <a:p>
             <a:fld id="{2D27C6C9-4D87-42DA-8DC4-BE3B1EEA3836}" type="datetimeFigureOut">
               <a:rPr kumimoji="1" lang="ja-JP" altLang="en-US" smtClean="0"/>
-              <a:t>2018/12/19</a:t>
+              <a:t>2018/12/20</a:t>
             </a:fld>
             <a:endParaRPr kumimoji="1" lang="ja-JP" altLang="en-US"/>
           </a:p>
@@ -653,7 +658,7 @@
           <a:p>
             <a:fld id="{2D27C6C9-4D87-42DA-8DC4-BE3B1EEA3836}" type="datetimeFigureOut">
               <a:rPr kumimoji="1" lang="ja-JP" altLang="en-US" smtClean="0"/>
-              <a:t>2018/12/19</a:t>
+              <a:t>2018/12/20</a:t>
             </a:fld>
             <a:endParaRPr kumimoji="1" lang="ja-JP" altLang="en-US"/>
           </a:p>
@@ -855,7 +860,7 @@
           <a:p>
             <a:fld id="{2D27C6C9-4D87-42DA-8DC4-BE3B1EEA3836}" type="datetimeFigureOut">
               <a:rPr kumimoji="1" lang="ja-JP" altLang="en-US" smtClean="0"/>
-              <a:t>2018/12/19</a:t>
+              <a:t>2018/12/20</a:t>
             </a:fld>
             <a:endParaRPr kumimoji="1" lang="ja-JP" altLang="en-US"/>
           </a:p>
@@ -1101,7 +1106,7 @@
           <a:p>
             <a:fld id="{2D27C6C9-4D87-42DA-8DC4-BE3B1EEA3836}" type="datetimeFigureOut">
               <a:rPr kumimoji="1" lang="ja-JP" altLang="en-US" smtClean="0"/>
-              <a:t>2018/12/19</a:t>
+              <a:t>2018/12/20</a:t>
             </a:fld>
             <a:endParaRPr kumimoji="1" lang="ja-JP" altLang="en-US"/>
           </a:p>
@@ -1397,7 +1402,7 @@
           <a:p>
             <a:fld id="{2D27C6C9-4D87-42DA-8DC4-BE3B1EEA3836}" type="datetimeFigureOut">
               <a:rPr kumimoji="1" lang="ja-JP" altLang="en-US" smtClean="0"/>
-              <a:t>2018/12/19</a:t>
+              <a:t>2018/12/20</a:t>
             </a:fld>
             <a:endParaRPr kumimoji="1" lang="ja-JP" altLang="en-US"/>
           </a:p>
@@ -1828,7 +1833,7 @@
           <a:p>
             <a:fld id="{2D27C6C9-4D87-42DA-8DC4-BE3B1EEA3836}" type="datetimeFigureOut">
               <a:rPr kumimoji="1" lang="ja-JP" altLang="en-US" smtClean="0"/>
-              <a:t>2018/12/19</a:t>
+              <a:t>2018/12/20</a:t>
             </a:fld>
             <a:endParaRPr kumimoji="1" lang="ja-JP" altLang="en-US"/>
           </a:p>
@@ -1946,7 +1951,7 @@
           <a:p>
             <a:fld id="{2D27C6C9-4D87-42DA-8DC4-BE3B1EEA3836}" type="datetimeFigureOut">
               <a:rPr kumimoji="1" lang="ja-JP" altLang="en-US" smtClean="0"/>
-              <a:t>2018/12/19</a:t>
+              <a:t>2018/12/20</a:t>
             </a:fld>
             <a:endParaRPr kumimoji="1" lang="ja-JP" altLang="en-US"/>
           </a:p>
@@ -2041,7 +2046,7 @@
           <a:p>
             <a:fld id="{2D27C6C9-4D87-42DA-8DC4-BE3B1EEA3836}" type="datetimeFigureOut">
               <a:rPr kumimoji="1" lang="ja-JP" altLang="en-US" smtClean="0"/>
-              <a:t>2018/12/19</a:t>
+              <a:t>2018/12/20</a:t>
             </a:fld>
             <a:endParaRPr kumimoji="1" lang="ja-JP" altLang="en-US"/>
           </a:p>
@@ -2350,7 +2355,7 @@
           <a:p>
             <a:fld id="{2D27C6C9-4D87-42DA-8DC4-BE3B1EEA3836}" type="datetimeFigureOut">
               <a:rPr kumimoji="1" lang="ja-JP" altLang="en-US" smtClean="0"/>
-              <a:t>2018/12/19</a:t>
+              <a:t>2018/12/20</a:t>
             </a:fld>
             <a:endParaRPr kumimoji="1" lang="ja-JP" altLang="en-US"/>
           </a:p>
@@ -2603,7 +2608,7 @@
           <a:p>
             <a:fld id="{2D27C6C9-4D87-42DA-8DC4-BE3B1EEA3836}" type="datetimeFigureOut">
               <a:rPr kumimoji="1" lang="ja-JP" altLang="en-US" smtClean="0"/>
-              <a:t>2018/12/19</a:t>
+              <a:t>2018/12/20</a:t>
             </a:fld>
             <a:endParaRPr kumimoji="1" lang="ja-JP" altLang="en-US"/>
           </a:p>
@@ -2848,7 +2853,7 @@
           <a:p>
             <a:fld id="{2D27C6C9-4D87-42DA-8DC4-BE3B1EEA3836}" type="datetimeFigureOut">
               <a:rPr kumimoji="1" lang="ja-JP" altLang="en-US" smtClean="0"/>
-              <a:t>2018/12/19</a:t>
+              <a:t>2018/12/20</a:t>
             </a:fld>
             <a:endParaRPr kumimoji="1" lang="ja-JP" altLang="en-US"/>
           </a:p>
@@ -3503,18 +3508,18 @@
             <a:p>
               <a:pPr algn="ctr"/>
               <a:r>
-                <a:rPr lang="en-US" altLang="ja-JP" sz="2400" dirty="0"/>
+                <a:rPr lang="en-US" altLang="ja-JP" sz="2800" dirty="0"/>
                 <a:t>i</a:t>
               </a:r>
               <a:r>
-                <a:rPr kumimoji="1" lang="en-US" altLang="ja-JP" sz="2400" dirty="0" smtClean="0"/>
+                <a:rPr kumimoji="1" lang="en-US" altLang="ja-JP" sz="2800" dirty="0" smtClean="0"/>
                 <a:t>n</a:t>
               </a:r>
               <a:r>
-                <a:rPr kumimoji="1" lang="ja-JP" altLang="en-US" sz="2400" dirty="0" smtClean="0"/>
+                <a:rPr kumimoji="1" lang="ja-JP" altLang="en-US" sz="2800" dirty="0" smtClean="0"/>
                 <a:t>データ</a:t>
               </a:r>
-              <a:endParaRPr kumimoji="1" lang="ja-JP" altLang="en-US" sz="2400" dirty="0"/>
+              <a:endParaRPr kumimoji="1" lang="ja-JP" altLang="en-US" sz="2800" dirty="0"/>
             </a:p>
           </p:txBody>
         </p:sp>
@@ -3642,18 +3647,18 @@
             <a:p>
               <a:pPr algn="ctr"/>
               <a:r>
-                <a:rPr lang="en-US" altLang="ja-JP" sz="2400" dirty="0"/>
+                <a:rPr lang="en-US" altLang="ja-JP" sz="2800" dirty="0"/>
                 <a:t>o</a:t>
               </a:r>
               <a:r>
-                <a:rPr kumimoji="1" lang="en-US" altLang="ja-JP" sz="2400" dirty="0" smtClean="0"/>
+                <a:rPr kumimoji="1" lang="en-US" altLang="ja-JP" sz="2800" dirty="0" smtClean="0"/>
                 <a:t>ut</a:t>
               </a:r>
               <a:r>
-                <a:rPr kumimoji="1" lang="ja-JP" altLang="en-US" sz="2400" dirty="0" smtClean="0"/>
+                <a:rPr kumimoji="1" lang="ja-JP" altLang="en-US" sz="2800" dirty="0" smtClean="0"/>
                 <a:t>データ</a:t>
               </a:r>
-              <a:endParaRPr kumimoji="1" lang="ja-JP" altLang="en-US" sz="2400" dirty="0"/>
+              <a:endParaRPr kumimoji="1" lang="ja-JP" altLang="en-US" sz="2800" dirty="0"/>
             </a:p>
           </p:txBody>
         </p:sp>
@@ -3666,16 +3671,14 @@
           <p:spPr>
             <a:xfrm>
               <a:off x="1789386" y="3626069"/>
-              <a:ext cx="2230821" cy="461665"/>
+              <a:ext cx="2473663" cy="523220"/>
             </a:xfrm>
             <a:prstGeom prst="rect">
               <a:avLst/>
             </a:prstGeom>
             <a:noFill/>
             <a:ln w="57150">
-              <a:solidFill>
-                <a:schemeClr val="tx1"/>
-              </a:solidFill>
+              <a:noFill/>
             </a:ln>
           </p:spPr>
           <p:txBody>
@@ -3685,10 +3688,10 @@
             <a:lstStyle/>
             <a:p>
               <a:r>
-                <a:rPr kumimoji="1" lang="ja-JP" altLang="en-US" sz="2400" dirty="0" smtClean="0"/>
+                <a:rPr kumimoji="1" lang="ja-JP" altLang="en-US" sz="2800" dirty="0" smtClean="0"/>
                 <a:t>カメラ有効範囲</a:t>
               </a:r>
-              <a:endParaRPr kumimoji="1" lang="ja-JP" altLang="en-US" sz="2400" dirty="0"/>
+              <a:endParaRPr kumimoji="1" lang="ja-JP" altLang="en-US" sz="2800" dirty="0"/>
             </a:p>
           </p:txBody>
         </p:sp>
@@ -3700,17 +3703,15 @@
           </p:nvSpPr>
           <p:spPr>
             <a:xfrm>
-              <a:off x="8287408" y="3626069"/>
-              <a:ext cx="2212662" cy="461665"/>
+              <a:off x="7871286" y="3626069"/>
+              <a:ext cx="2628784" cy="523220"/>
             </a:xfrm>
             <a:prstGeom prst="rect">
               <a:avLst/>
             </a:prstGeom>
             <a:noFill/>
             <a:ln w="57150">
-              <a:solidFill>
-                <a:schemeClr val="tx1"/>
-              </a:solidFill>
+              <a:noFill/>
             </a:ln>
           </p:spPr>
           <p:txBody>
@@ -3720,10 +3721,10 @@
             <a:lstStyle/>
             <a:p>
               <a:r>
-                <a:rPr kumimoji="1" lang="ja-JP" altLang="en-US" sz="2400" dirty="0" smtClean="0"/>
+                <a:rPr kumimoji="1" lang="ja-JP" altLang="en-US" sz="2800" dirty="0" smtClean="0"/>
                 <a:t>カメラ有効範囲</a:t>
               </a:r>
-              <a:endParaRPr kumimoji="1" lang="ja-JP" altLang="en-US" sz="2400" dirty="0"/>
+              <a:endParaRPr kumimoji="1" lang="ja-JP" altLang="en-US" sz="2800" dirty="0"/>
             </a:p>
           </p:txBody>
         </p:sp>
